--- a/Prezentacja.pptx
+++ b/Prezentacja.pptx
@@ -288,7 +288,7 @@
           <a:p>
             <a:fld id="{965A7A7B-B71A-428D-833F-0F3507A6DB13}" type="datetimeFigureOut">
               <a:rPr lang="en-US" dirty="0"/>
-              <a:t>3/10/2025</a:t>
+              <a:t>3/11/2025</a:t>
             </a:fld>
             <a:endParaRPr lang="en-US" dirty="0"/>
           </a:p>
@@ -583,7 +583,7 @@
           <a:p>
             <a:fld id="{F248F9EB-9D34-4B41-B66C-5FAF50876D2D}" type="datetimeFigureOut">
               <a:rPr lang="en-US" dirty="0"/>
-              <a:t>3/10/2025</a:t>
+              <a:t>3/11/2025</a:t>
             </a:fld>
             <a:endParaRPr lang="en-US" dirty="0"/>
           </a:p>
@@ -791,7 +791,7 @@
           <a:p>
             <a:fld id="{34489A26-CAA1-4690-8C1F-1641B1B97745}" type="datetimeFigureOut">
               <a:rPr lang="en-US" dirty="0"/>
-              <a:t>3/10/2025</a:t>
+              <a:t>3/11/2025</a:t>
             </a:fld>
             <a:endParaRPr lang="en-US" dirty="0"/>
           </a:p>
@@ -1150,7 +1150,7 @@
           <a:p>
             <a:fld id="{5CF65307-640F-4AE7-B0BE-50C709AD86C5}" type="datetimeFigureOut">
               <a:rPr lang="en-US" dirty="0"/>
-              <a:t>3/10/2025</a:t>
+              <a:t>3/11/2025</a:t>
             </a:fld>
             <a:endParaRPr lang="en-US" dirty="0"/>
           </a:p>
@@ -1530,7 +1530,7 @@
           <a:p>
             <a:fld id="{F77EA1F9-1F0F-4C65-8F6E-9729B924AAAC}" type="datetimeFigureOut">
               <a:rPr lang="en-US" dirty="0"/>
-              <a:t>3/10/2025</a:t>
+              <a:t>3/11/2025</a:t>
             </a:fld>
             <a:endParaRPr lang="en-US" dirty="0"/>
           </a:p>
@@ -1951,7 +1951,7 @@
           <a:p>
             <a:fld id="{202278E8-5F4B-47D5-A617-8CCDF75D6A33}" type="datetimeFigureOut">
               <a:rPr lang="en-US" dirty="0"/>
-              <a:t>3/10/2025</a:t>
+              <a:t>3/11/2025</a:t>
             </a:fld>
             <a:endParaRPr lang="en-US" dirty="0"/>
           </a:p>
@@ -2539,7 +2539,7 @@
           <a:p>
             <a:fld id="{16AAFA52-7A21-407F-8339-40DF182D7460}" type="datetimeFigureOut">
               <a:rPr lang="en-US" dirty="0"/>
-              <a:t>3/10/2025</a:t>
+              <a:t>3/11/2025</a:t>
             </a:fld>
             <a:endParaRPr lang="en-US" dirty="0"/>
           </a:p>
@@ -2794,7 +2794,7 @@
           <a:p>
             <a:fld id="{96770335-1C1A-4243-9BDD-9630C417D284}" type="datetimeFigureOut">
               <a:rPr lang="en-US" dirty="0"/>
-              <a:t>3/10/2025</a:t>
+              <a:t>3/11/2025</a:t>
             </a:fld>
             <a:endParaRPr lang="en-US" dirty="0"/>
           </a:p>
@@ -2907,7 +2907,7 @@
           <a:p>
             <a:fld id="{0141513F-8EBD-4612-96F4-CC3E309609AF}" type="datetimeFigureOut">
               <a:rPr lang="en-US" dirty="0"/>
-              <a:t>3/10/2025</a:t>
+              <a:t>3/11/2025</a:t>
             </a:fld>
             <a:endParaRPr lang="en-US" dirty="0"/>
           </a:p>
@@ -3328,7 +3328,7 @@
           <a:p>
             <a:fld id="{6E6483A1-31A8-47A2-AB0A-53A7803D5EBF}" type="datetimeFigureOut">
               <a:rPr lang="en-US" dirty="0"/>
-              <a:t>3/10/2025</a:t>
+              <a:t>3/11/2025</a:t>
             </a:fld>
             <a:endParaRPr lang="en-US" dirty="0"/>
           </a:p>
@@ -3728,7 +3728,7 @@
           <a:p>
             <a:fld id="{6D8810B9-2C7C-4CAF-99E2-617AE20BA331}" type="datetimeFigureOut">
               <a:rPr lang="en-US" dirty="0"/>
-              <a:t>3/10/2025</a:t>
+              <a:t>3/11/2025</a:t>
             </a:fld>
             <a:endParaRPr lang="en-US" dirty="0"/>
           </a:p>
@@ -3969,7 +3969,7 @@
           <a:p>
             <a:fld id="{37E93E0A-5177-400C-87C9-C93AF466EC49}" type="datetimeFigureOut">
               <a:rPr lang="en-US" dirty="0"/>
-              <a:t>3/10/2025</a:t>
+              <a:t>3/11/2025</a:t>
             </a:fld>
             <a:endParaRPr lang="en-US" dirty="0"/>
           </a:p>
@@ -4492,8 +4492,8 @@
           <a:lstStyle/>
           <a:p>
             <a:r>
-              <a:rPr lang="pl-PL"/>
-              <a:t>Operacje arytmetyczne</a:t>
+              <a:rPr lang="pl-PL" dirty="0"/>
+              <a:t>Operacje arytmetyczne – przykład użycia</a:t>
             </a:r>
           </a:p>
         </p:txBody>
@@ -4577,29 +4577,20 @@
               <a:t>d1 </a:t>
             </a:r>
             <a:r>
-              <a:rPr lang="pl-PL" err="1"/>
-              <a:t>is</a:t>
-            </a:r>
-            <a:r>
-              <a:rPr lang="pl-PL" dirty="0"/>
-              <a:t> d1+d2;</a:t>
-            </a:r>
-          </a:p>
-          <a:p>
-            <a:pPr marL="0" indent="0">
-              <a:buNone/>
-            </a:pPr>
-            <a:r>
-              <a:rPr lang="pl-PL" dirty="0"/>
-              <a:t>d1 </a:t>
-            </a:r>
-            <a:r>
               <a:rPr lang="pl-PL" dirty="0" err="1"/>
               <a:t>is</a:t>
             </a:r>
             <a:r>
               <a:rPr lang="pl-PL" dirty="0"/>
-              <a:t> d1^d2;</a:t>
+              <a:t> d1</a:t>
+            </a:r>
+            <a:r>
+              <a:rPr lang="pl-PL" b="1" dirty="0"/>
+              <a:t>+</a:t>
+            </a:r>
+            <a:r>
+              <a:rPr lang="pl-PL" dirty="0"/>
+              <a:t>d2;</a:t>
             </a:r>
           </a:p>
           <a:p>
@@ -4616,7 +4607,15 @@
             </a:r>
             <a:r>
               <a:rPr lang="pl-PL" dirty="0"/>
-              <a:t> d1/d2;</a:t>
+              <a:t> d1</a:t>
+            </a:r>
+            <a:r>
+              <a:rPr lang="pl-PL" b="1" dirty="0"/>
+              <a:t>^</a:t>
+            </a:r>
+            <a:r>
+              <a:rPr lang="pl-PL" dirty="0"/>
+              <a:t>d2;</a:t>
             </a:r>
           </a:p>
           <a:p>
@@ -4633,7 +4632,40 @@
             </a:r>
             <a:r>
               <a:rPr lang="pl-PL" dirty="0"/>
-              <a:t> d1*d2;</a:t>
+              <a:t> d1</a:t>
+            </a:r>
+            <a:r>
+              <a:rPr lang="pl-PL" b="1" dirty="0"/>
+              <a:t>/</a:t>
+            </a:r>
+            <a:r>
+              <a:rPr lang="pl-PL" dirty="0"/>
+              <a:t>d2;</a:t>
+            </a:r>
+          </a:p>
+          <a:p>
+            <a:pPr marL="0" indent="0">
+              <a:buNone/>
+            </a:pPr>
+            <a:r>
+              <a:rPr lang="pl-PL" dirty="0"/>
+              <a:t>d1 </a:t>
+            </a:r>
+            <a:r>
+              <a:rPr lang="pl-PL" dirty="0" err="1"/>
+              <a:t>is</a:t>
+            </a:r>
+            <a:r>
+              <a:rPr lang="pl-PL" dirty="0"/>
+              <a:t> d1</a:t>
+            </a:r>
+            <a:r>
+              <a:rPr lang="pl-PL" b="1" dirty="0"/>
+              <a:t>*</a:t>
+            </a:r>
+            <a:r>
+              <a:rPr lang="pl-PL" dirty="0"/>
+              <a:t>d2;</a:t>
             </a:r>
           </a:p>
         </p:txBody>
@@ -4661,7 +4693,156 @@
           </a:bodyPr>
           <a:lstStyle/>
           <a:p>
-            <a:endParaRPr lang="pl-PL"/>
+            <a:pPr marL="0" indent="0">
+              <a:buNone/>
+            </a:pPr>
+            <a:r>
+              <a:rPr lang="pl-PL" dirty="0" err="1"/>
+              <a:t>int</a:t>
+            </a:r>
+            <a:r>
+              <a:rPr lang="pl-PL" dirty="0"/>
+              <a:t> i1 </a:t>
+            </a:r>
+            <a:r>
+              <a:rPr lang="pl-PL" dirty="0" err="1"/>
+              <a:t>is</a:t>
+            </a:r>
+            <a:r>
+              <a:rPr lang="pl-PL" dirty="0"/>
+              <a:t> 2;</a:t>
+            </a:r>
+          </a:p>
+          <a:p>
+            <a:pPr marL="0" indent="0">
+              <a:buNone/>
+            </a:pPr>
+            <a:r>
+              <a:rPr lang="pl-PL" dirty="0" err="1"/>
+              <a:t>int</a:t>
+            </a:r>
+            <a:r>
+              <a:rPr lang="pl-PL" dirty="0"/>
+              <a:t> i2 </a:t>
+            </a:r>
+            <a:r>
+              <a:rPr lang="pl-PL" dirty="0" err="1"/>
+              <a:t>is</a:t>
+            </a:r>
+            <a:r>
+              <a:rPr lang="pl-PL" dirty="0"/>
+              <a:t> 4;</a:t>
+            </a:r>
+          </a:p>
+          <a:p>
+            <a:pPr marL="0" indent="0">
+              <a:buNone/>
+            </a:pPr>
+            <a:endParaRPr lang="pl-PL" dirty="0"/>
+          </a:p>
+          <a:p>
+            <a:pPr marL="0" indent="0">
+              <a:buNone/>
+            </a:pPr>
+            <a:r>
+              <a:rPr lang="pl-PL" dirty="0"/>
+              <a:t>i1 </a:t>
+            </a:r>
+            <a:r>
+              <a:rPr lang="pl-PL" dirty="0" err="1"/>
+              <a:t>is</a:t>
+            </a:r>
+            <a:r>
+              <a:rPr lang="pl-PL" dirty="0"/>
+              <a:t> i1</a:t>
+            </a:r>
+            <a:r>
+              <a:rPr lang="pl-PL" b="1" dirty="0"/>
+              <a:t>^^</a:t>
+            </a:r>
+            <a:r>
+              <a:rPr lang="pl-PL" dirty="0"/>
+              <a:t>;</a:t>
+            </a:r>
+          </a:p>
+          <a:p>
+            <a:pPr marL="0" indent="0">
+              <a:buNone/>
+            </a:pPr>
+            <a:r>
+              <a:rPr lang="pl-PL" dirty="0"/>
+              <a:t>i2 </a:t>
+            </a:r>
+            <a:r>
+              <a:rPr lang="pl-PL" dirty="0" err="1"/>
+              <a:t>is</a:t>
+            </a:r>
+            <a:r>
+              <a:rPr lang="pl-PL" dirty="0"/>
+              <a:t> i2</a:t>
+            </a:r>
+            <a:r>
+              <a:rPr lang="pl-PL" b="1" dirty="0"/>
+              <a:t>??</a:t>
+            </a:r>
+            <a:r>
+              <a:rPr lang="pl-PL" dirty="0"/>
+              <a:t>;</a:t>
+            </a:r>
+          </a:p>
+          <a:p>
+            <a:pPr marL="0" indent="0">
+              <a:buNone/>
+            </a:pPr>
+            <a:r>
+              <a:rPr lang="pl-PL" dirty="0"/>
+              <a:t>I1 </a:t>
+            </a:r>
+            <a:r>
+              <a:rPr lang="pl-PL" dirty="0" err="1"/>
+              <a:t>is</a:t>
+            </a:r>
+            <a:r>
+              <a:rPr lang="pl-PL" dirty="0"/>
+              <a:t> i1</a:t>
+            </a:r>
+            <a:r>
+              <a:rPr lang="pl-PL" b="1" dirty="0"/>
+              <a:t>^</a:t>
+            </a:r>
+            <a:r>
+              <a:rPr lang="pl-PL" dirty="0"/>
+              <a:t>4;</a:t>
+            </a:r>
+          </a:p>
+          <a:p>
+            <a:pPr marL="0" indent="0">
+              <a:buNone/>
+            </a:pPr>
+            <a:r>
+              <a:rPr lang="pl-PL" dirty="0" err="1"/>
+              <a:t>bool</a:t>
+            </a:r>
+            <a:r>
+              <a:rPr lang="pl-PL" dirty="0"/>
+              <a:t> b1 </a:t>
+            </a:r>
+            <a:r>
+              <a:rPr lang="pl-PL" dirty="0" err="1"/>
+              <a:t>is</a:t>
+            </a:r>
+            <a:r>
+              <a:rPr lang="pl-PL" dirty="0"/>
+              <a:t> i1</a:t>
+            </a:r>
+            <a:r>
+              <a:rPr lang="pl-PL" b="1" dirty="0"/>
+              <a:t>=</a:t>
+            </a:r>
+            <a:r>
+              <a:rPr lang="pl-PL" dirty="0"/>
+              <a:t>i2;</a:t>
+            </a:r>
           </a:p>
         </p:txBody>
       </p:sp>
@@ -4688,7 +4869,7 @@
           <a:p>
             <a:fld id="{ABE33C46-92AA-4208-A3BE-AFE543112079}" type="datetime1">
               <a:rPr lang="en-US" smtClean="0"/>
-              <a:t>3/10/2025</a:t>
+              <a:t>3/11/2025</a:t>
             </a:fld>
             <a:endParaRPr lang="en-US"/>
           </a:p>
@@ -4828,19 +5009,23 @@
           <a:lstStyle/>
           <a:p>
             <a:r>
-              <a:rPr lang="pl-PL"/>
-              <a:t>Mapython to język służący do generacji fikcyjnych map 2D opartych na funkcjach matematycznych.</a:t>
-            </a:r>
-          </a:p>
-          <a:p>
-            <a:r>
-              <a:rPr lang="pl-PL"/>
+              <a:rPr lang="pl-PL" dirty="0" err="1"/>
+              <a:t>Mapython</a:t>
+            </a:r>
+            <a:r>
+              <a:rPr lang="pl-PL" dirty="0"/>
+              <a:t> to język służący do generowania fikcyjnych map 2D opartych na funkcjach matematycznych.</a:t>
+            </a:r>
+          </a:p>
+          <a:p>
+            <a:r>
+              <a:rPr lang="pl-PL" dirty="0"/>
               <a:t>Każda mapa składa się z wysp i oceanów a każda wyspa posiada własną funkcję na wysokość.</a:t>
             </a:r>
           </a:p>
           <a:p>
             <a:r>
-              <a:rPr lang="pl-PL"/>
+              <a:rPr lang="pl-PL" dirty="0"/>
               <a:t>Na ostatecznej mapie wysokość jest wyrażona w postaci linii topograficznych</a:t>
             </a:r>
           </a:p>
@@ -5139,7 +5324,12 @@
             <p:ph sz="half" idx="1"/>
           </p:nvPr>
         </p:nvSpPr>
-        <p:spPr/>
+        <p:spPr>
+          <a:xfrm>
+            <a:off x="1115568" y="2478024"/>
+            <a:ext cx="4358132" cy="3694176"/>
+          </a:xfrm>
+        </p:spPr>
         <p:txBody>
           <a:bodyPr vert="horz" lIns="91440" tIns="45720" rIns="91440" bIns="45720" rtlCol="0" anchor="t">
             <a:normAutofit/>
@@ -5150,7 +5340,7 @@
               <a:buNone/>
             </a:pPr>
             <a:r>
-              <a:rPr lang="pl-PL" err="1"/>
+              <a:rPr lang="pl-PL" b="1" dirty="0" err="1"/>
               <a:t>int</a:t>
             </a:r>
             <a:r>
@@ -5158,15 +5348,15 @@
               <a:t> </a:t>
             </a:r>
             <a:r>
-              <a:rPr lang="pl-PL" err="1"/>
-              <a:t>var</a:t>
+              <a:rPr lang="pl-PL" dirty="0" err="1"/>
+              <a:t>varI</a:t>
             </a:r>
             <a:r>
               <a:rPr lang="pl-PL" dirty="0"/>
               <a:t> </a:t>
             </a:r>
             <a:r>
-              <a:rPr lang="pl-PL" err="1"/>
+              <a:rPr lang="pl-PL" b="1" dirty="0" err="1"/>
               <a:t>is</a:t>
             </a:r>
             <a:r>
@@ -5179,77 +5369,81 @@
               <a:buNone/>
             </a:pPr>
             <a:r>
+              <a:rPr lang="pl-PL" b="1" dirty="0" err="1"/>
+              <a:t>double</a:t>
+            </a:r>
+            <a:r>
+              <a:rPr lang="pl-PL" dirty="0"/>
+              <a:t> </a:t>
+            </a:r>
+            <a:r>
               <a:rPr lang="pl-PL" dirty="0" err="1"/>
-              <a:t>double</a:t>
+              <a:t>varD</a:t>
             </a:r>
             <a:r>
               <a:rPr lang="pl-PL" dirty="0"/>
               <a:t> </a:t>
             </a:r>
             <a:r>
+              <a:rPr lang="pl-PL" b="1" dirty="0" err="1"/>
+              <a:t>is</a:t>
+            </a:r>
+            <a:r>
+              <a:rPr lang="pl-PL" dirty="0"/>
+              <a:t> 1.11;</a:t>
+            </a:r>
+          </a:p>
+          <a:p>
+            <a:pPr marL="0" indent="0">
+              <a:buNone/>
+            </a:pPr>
+            <a:r>
+              <a:rPr lang="pl-PL" b="1" dirty="0"/>
+              <a:t>string</a:t>
+            </a:r>
+            <a:r>
+              <a:rPr lang="pl-PL" dirty="0"/>
+              <a:t> </a:t>
+            </a:r>
+            <a:r>
               <a:rPr lang="pl-PL" dirty="0" err="1"/>
-              <a:t>varDouble</a:t>
+              <a:t>varS</a:t>
             </a:r>
             <a:r>
               <a:rPr lang="pl-PL" dirty="0"/>
               <a:t> </a:t>
             </a:r>
             <a:r>
+              <a:rPr lang="pl-PL" b="1" dirty="0" err="1"/>
+              <a:t>is</a:t>
+            </a:r>
+            <a:r>
+              <a:rPr lang="pl-PL" dirty="0"/>
+              <a:t> "nazwa";</a:t>
+            </a:r>
+          </a:p>
+          <a:p>
+            <a:pPr marL="0" indent="0">
+              <a:buNone/>
+            </a:pPr>
+            <a:r>
+              <a:rPr lang="pl-PL" b="1" dirty="0" err="1"/>
+              <a:t>bool</a:t>
+            </a:r>
+            <a:r>
+              <a:rPr lang="pl-PL" dirty="0"/>
+              <a:t> </a:t>
+            </a:r>
+            <a:r>
               <a:rPr lang="pl-PL" dirty="0" err="1"/>
-              <a:t>is</a:t>
-            </a:r>
-            <a:r>
-              <a:rPr lang="pl-PL" dirty="0"/>
-              <a:t> 1.11;</a:t>
-            </a:r>
-          </a:p>
-          <a:p>
-            <a:pPr marL="0" indent="0">
-              <a:buNone/>
-            </a:pPr>
-            <a:r>
-              <a:rPr lang="pl-PL" dirty="0"/>
-              <a:t>string </a:t>
-            </a:r>
-            <a:r>
-              <a:rPr lang="pl-PL" dirty="0" err="1"/>
-              <a:t>varString</a:t>
+              <a:t>varB</a:t>
             </a:r>
             <a:r>
               <a:rPr lang="pl-PL" dirty="0"/>
               <a:t> </a:t>
             </a:r>
             <a:r>
-              <a:rPr lang="pl-PL" dirty="0" err="1"/>
-              <a:t>is</a:t>
-            </a:r>
-            <a:r>
-              <a:rPr lang="pl-PL" dirty="0"/>
-              <a:t> "nazwa";</a:t>
-            </a:r>
-          </a:p>
-          <a:p>
-            <a:pPr marL="0" indent="0">
-              <a:buNone/>
-            </a:pPr>
-            <a:r>
-              <a:rPr lang="pl-PL" dirty="0" err="1"/>
-              <a:t>bool</a:t>
-            </a:r>
-            <a:r>
-              <a:rPr lang="pl-PL" dirty="0"/>
-              <a:t> </a:t>
-            </a:r>
-            <a:r>
-              <a:rPr lang="pl-PL" dirty="0" err="1"/>
-              <a:t>varBool</a:t>
-            </a:r>
-            <a:r>
-              <a:rPr lang="pl-PL" dirty="0"/>
-              <a:t> </a:t>
-            </a:r>
-            <a:r>
-              <a:rPr lang="pl-PL" dirty="0" err="1"/>
+              <a:rPr lang="pl-PL" b="1" dirty="0" err="1"/>
               <a:t>is</a:t>
             </a:r>
             <a:r>
@@ -5270,15 +5464,15 @@
               <a:buNone/>
             </a:pPr>
             <a:r>
-              <a:rPr lang="pl-PL" dirty="0" err="1"/>
+              <a:rPr lang="pl-PL" b="1" dirty="0" err="1"/>
               <a:t>bool</a:t>
             </a:r>
             <a:r>
               <a:rPr lang="pl-PL" dirty="0"/>
-              <a:t> varBool2 </a:t>
-            </a:r>
-            <a:r>
-              <a:rPr lang="pl-PL" dirty="0" err="1"/>
+              <a:t> varB2 </a:t>
+            </a:r>
+            <a:r>
+              <a:rPr lang="pl-PL" b="1" dirty="0" err="1"/>
               <a:t>is</a:t>
             </a:r>
             <a:r>
@@ -5318,16 +5512,28 @@
             <p:ph sz="half" idx="2"/>
           </p:nvPr>
         </p:nvSpPr>
-        <p:spPr/>
+        <p:spPr>
+          <a:xfrm>
+            <a:off x="5473700" y="2478024"/>
+            <a:ext cx="5809996" cy="3694176"/>
+          </a:xfrm>
+        </p:spPr>
         <p:txBody>
           <a:bodyPr vert="horz" lIns="91440" tIns="45720" rIns="91440" bIns="45720" rtlCol="0" anchor="t">
             <a:normAutofit/>
           </a:bodyPr>
           <a:lstStyle/>
           <a:p>
+            <a:pPr marL="0" indent="0">
+              <a:buNone/>
+            </a:pPr>
+            <a:r>
+              <a:rPr lang="pl-PL" sz="2600" b="1" dirty="0"/>
+              <a:t>List</a:t>
+            </a:r>
             <a:r>
               <a:rPr lang="pl-PL" sz="2600" dirty="0"/>
-              <a:t>List&lt;string&gt; </a:t>
+              <a:t>&lt;string&gt; </a:t>
             </a:r>
             <a:r>
               <a:rPr lang="pl-PL" sz="2600" dirty="0" err="1"/>
@@ -5338,7 +5544,7 @@
               <a:t> </a:t>
             </a:r>
             <a:r>
-              <a:rPr lang="pl-PL" sz="2600" dirty="0" err="1"/>
+              <a:rPr lang="pl-PL" sz="2600" b="1" dirty="0" err="1"/>
               <a:t>is</a:t>
             </a:r>
             <a:r>
@@ -5356,9 +5562,16 @@
             <a:endParaRPr lang="en-US" sz="2600" dirty="0"/>
           </a:p>
           <a:p>
+            <a:pPr marL="0" indent="0">
+              <a:buNone/>
+            </a:pPr>
+            <a:r>
+              <a:rPr lang="pl-PL" sz="2600" b="1" dirty="0"/>
+              <a:t>Point</a:t>
+            </a:r>
             <a:r>
               <a:rPr lang="pl-PL" sz="2600" dirty="0"/>
-              <a:t>Point </a:t>
+              <a:t> </a:t>
             </a:r>
             <a:r>
               <a:rPr lang="pl-PL" sz="2600" dirty="0" err="1"/>
@@ -5369,30 +5582,21 @@
               <a:t> </a:t>
             </a:r>
             <a:r>
-              <a:rPr lang="pl-PL" sz="2600"/>
+              <a:rPr lang="pl-PL" sz="2600" b="1" dirty="0" err="1"/>
               <a:t>is</a:t>
             </a:r>
             <a:r>
               <a:rPr lang="pl-PL" sz="2600" dirty="0"/>
-              <a:t> </a:t>
-            </a:r>
-            <a:r>
-              <a:rPr lang="pl-PL" sz="2600"/>
-              <a:t>{</a:t>
-            </a:r>
-            <a:r>
-              <a:rPr lang="pl-PL" sz="2600" dirty="0"/>
-              <a:t>100,100</a:t>
-            </a:r>
-            <a:r>
-              <a:rPr lang="pl-PL" sz="2600"/>
-              <a:t>};</a:t>
+              <a:t> {100,100};</a:t>
             </a:r>
             <a:endParaRPr lang="en-US" sz="2600" dirty="0"/>
           </a:p>
           <a:p>
-            <a:r>
-              <a:rPr lang="pl-PL" sz="2600" dirty="0" err="1"/>
+            <a:pPr marL="0" indent="0">
+              <a:buNone/>
+            </a:pPr>
+            <a:r>
+              <a:rPr lang="pl-PL" sz="2600" b="1" dirty="0" err="1"/>
               <a:t>Landmass</a:t>
             </a:r>
             <a:r>
@@ -5400,7 +5604,7 @@
               <a:t> l </a:t>
             </a:r>
             <a:r>
-              <a:rPr lang="pl-PL" sz="2600" dirty="0" err="1"/>
+              <a:rPr lang="pl-PL" sz="2600" b="1" dirty="0" err="1"/>
               <a:t>is</a:t>
             </a:r>
             <a:r>
@@ -5651,12 +5855,20 @@
               <a:buNone/>
             </a:pPr>
             <a:r>
-              <a:rPr lang="pl-PL" dirty="0" err="1"/>
+              <a:rPr lang="pl-PL" b="1" dirty="0" err="1"/>
               <a:t>if</a:t>
             </a:r>
             <a:r>
               <a:rPr lang="pl-PL" dirty="0"/>
-              <a:t> (x&gt;100) do {...}</a:t>
+              <a:t> (x&gt;100) </a:t>
+            </a:r>
+            <a:r>
+              <a:rPr lang="pl-PL" b="1" dirty="0"/>
+              <a:t>do</a:t>
+            </a:r>
+            <a:r>
+              <a:rPr lang="pl-PL" dirty="0"/>
+              <a:t> {...}</a:t>
             </a:r>
           </a:p>
           <a:p>
@@ -5664,12 +5876,20 @@
               <a:buNone/>
             </a:pPr>
             <a:r>
-              <a:rPr lang="pl-PL" dirty="0" err="1"/>
+              <a:rPr lang="pl-PL" b="1" dirty="0" err="1"/>
               <a:t>eif</a:t>
             </a:r>
             <a:r>
               <a:rPr lang="pl-PL" dirty="0"/>
-              <a:t> (x&lt;50) do {...}</a:t>
+              <a:t> (x&lt;50) </a:t>
+            </a:r>
+            <a:r>
+              <a:rPr lang="pl-PL" b="1" dirty="0"/>
+              <a:t>do</a:t>
+            </a:r>
+            <a:r>
+              <a:rPr lang="pl-PL" dirty="0"/>
+              <a:t> {...}</a:t>
             </a:r>
           </a:p>
           <a:p>
@@ -5677,8 +5897,12 @@
               <a:buNone/>
             </a:pPr>
             <a:r>
-              <a:rPr lang="pl-PL" dirty="0" err="1"/>
+              <a:rPr lang="pl-PL" b="1" dirty="0" err="1"/>
               <a:t>else</a:t>
+            </a:r>
+            <a:r>
+              <a:rPr lang="pl-PL" b="1" dirty="0"/>
+              <a:t> do</a:t>
             </a:r>
             <a:r>
               <a:rPr lang="pl-PL" dirty="0"/>
@@ -5714,12 +5938,20 @@
               <a:buNone/>
             </a:pPr>
             <a:r>
-              <a:rPr lang="pl-PL" dirty="0" err="1"/>
+              <a:rPr lang="pl-PL" b="1" dirty="0" err="1"/>
               <a:t>if</a:t>
             </a:r>
             <a:r>
               <a:rPr lang="pl-PL" dirty="0"/>
-              <a:t> (point = {10,20}) {...}</a:t>
+              <a:t> (point = {10,20}) </a:t>
+            </a:r>
+            <a:r>
+              <a:rPr lang="pl-PL" b="1" dirty="0"/>
+              <a:t>do</a:t>
+            </a:r>
+            <a:r>
+              <a:rPr lang="pl-PL" dirty="0"/>
+              <a:t> {...}</a:t>
             </a:r>
           </a:p>
           <a:p>
@@ -5727,12 +5959,20 @@
               <a:buNone/>
             </a:pPr>
             <a:r>
-              <a:rPr lang="pl-PL" dirty="0" err="1"/>
+              <a:rPr lang="pl-PL" b="1" dirty="0" err="1"/>
               <a:t>else</a:t>
             </a:r>
             <a:r>
               <a:rPr lang="pl-PL" dirty="0"/>
-              <a:t> {...}</a:t>
+              <a:t> </a:t>
+            </a:r>
+            <a:r>
+              <a:rPr lang="pl-PL" b="1" dirty="0"/>
+              <a:t>do </a:t>
+            </a:r>
+            <a:r>
+              <a:rPr lang="pl-PL" dirty="0"/>
+              <a:t>{...}</a:t>
             </a:r>
           </a:p>
         </p:txBody>
@@ -5838,7 +6078,7 @@
               <a:buNone/>
             </a:pPr>
             <a:r>
-              <a:rPr lang="pl-PL" dirty="0" err="1"/>
+              <a:rPr lang="pl-PL" b="1" dirty="0" err="1"/>
               <a:t>repeat</a:t>
             </a:r>
             <a:r>
@@ -5851,25 +6091,20 @@
               <a:buNone/>
             </a:pPr>
             <a:r>
-              <a:rPr lang="pl-PL" dirty="0" err="1"/>
+              <a:rPr lang="pl-PL" b="1" dirty="0" err="1"/>
               <a:t>repeat</a:t>
             </a:r>
             <a:r>
               <a:rPr lang="pl-PL" dirty="0"/>
-              <a:t> from 1 to 10</a:t>
-            </a:r>
-            <a:r>
-              <a:rPr lang="pl-PL"/>
-              <a:t> {...};</a:t>
-            </a:r>
-            <a:endParaRPr lang="pl-PL" dirty="0"/>
+              <a:t> from 1 to 10 {...};</a:t>
+            </a:r>
           </a:p>
           <a:p>
             <a:pPr marL="0" indent="0">
               <a:buNone/>
             </a:pPr>
             <a:r>
-              <a:rPr lang="pl-PL" dirty="0" err="1"/>
+              <a:rPr lang="pl-PL" b="1" dirty="0" err="1"/>
               <a:t>Iterate</a:t>
             </a:r>
             <a:r>
@@ -5882,15 +6117,7 @@
             </a:r>
             <a:r>
               <a:rPr lang="pl-PL" dirty="0"/>
-              <a:t> list</a:t>
-            </a:r>
-            <a:r>
-              <a:rPr lang="pl-PL"/>
-              <a:t> {...};</a:t>
-            </a:r>
-            <a:r>
-              <a:rPr lang="pl-PL" dirty="0"/>
-              <a:t>  </a:t>
+              <a:t> list {...};  </a:t>
             </a:r>
           </a:p>
         </p:txBody>
@@ -5922,23 +6149,35 @@
               <a:buNone/>
             </a:pPr>
             <a:r>
-              <a:rPr lang="pl-PL"/>
+              <a:rPr lang="pl-PL" b="1" dirty="0"/>
               <a:t>as </a:t>
             </a:r>
             <a:r>
-              <a:rPr lang="pl-PL" err="1"/>
+              <a:rPr lang="pl-PL" b="1" dirty="0" err="1"/>
               <a:t>long</a:t>
             </a:r>
             <a:r>
-              <a:rPr lang="pl-PL"/>
-              <a:t> as () do {...}</a:t>
+              <a:rPr lang="pl-PL" b="1" dirty="0"/>
+              <a:t> as</a:t>
+            </a:r>
+            <a:r>
+              <a:rPr lang="pl-PL" dirty="0"/>
+              <a:t> () </a:t>
+            </a:r>
+            <a:r>
+              <a:rPr lang="pl-PL" b="1" dirty="0"/>
+              <a:t>do</a:t>
+            </a:r>
+            <a:r>
+              <a:rPr lang="pl-PL" dirty="0"/>
+              <a:t> {...}</a:t>
             </a:r>
           </a:p>
           <a:p>
             <a:pPr marL="0" indent="0">
               <a:buNone/>
             </a:pPr>
-            <a:endParaRPr lang="pl-PL"/>
+            <a:endParaRPr lang="pl-PL" dirty="0"/>
           </a:p>
         </p:txBody>
       </p:sp>
@@ -5965,7 +6204,7 @@
           <a:p>
             <a:fld id="{680C7415-9982-4E41-A1A9-242B0632F61A}" type="datetime1">
               <a:rPr lang="en-US" smtClean="0"/>
-              <a:t>3/10/2025</a:t>
+              <a:t>3/11/2025</a:t>
             </a:fld>
             <a:endParaRPr lang="en-US"/>
           </a:p>
@@ -6110,27 +6349,27 @@
               <a:buNone/>
             </a:pPr>
             <a:r>
-              <a:rPr lang="pl-PL" err="1"/>
+              <a:rPr lang="pl-PL" b="1" dirty="0" err="1"/>
               <a:t>function</a:t>
             </a:r>
             <a:r>
-              <a:rPr lang="pl-PL"/>
+              <a:rPr lang="pl-PL" dirty="0"/>
               <a:t> nazwa () </a:t>
             </a:r>
             <a:r>
-              <a:rPr lang="pl-PL" err="1"/>
+              <a:rPr lang="pl-PL" b="1" dirty="0" err="1"/>
               <a:t>returns</a:t>
             </a:r>
             <a:r>
-              <a:rPr lang="pl-PL"/>
+              <a:rPr lang="pl-PL" dirty="0"/>
               <a:t> </a:t>
             </a:r>
             <a:r>
-              <a:rPr lang="pl-PL" err="1"/>
+              <a:rPr lang="pl-PL" dirty="0" err="1"/>
               <a:t>int</a:t>
             </a:r>
             <a:r>
-              <a:rPr lang="pl-PL"/>
+              <a:rPr lang="pl-PL" dirty="0"/>
               <a:t> {…; return 3;}</a:t>
             </a:r>
           </a:p>
@@ -6139,11 +6378,11 @@
               <a:buNone/>
             </a:pPr>
             <a:r>
-              <a:rPr lang="pl-PL" err="1"/>
+              <a:rPr lang="pl-PL" b="1" dirty="0" err="1"/>
               <a:t>function</a:t>
             </a:r>
             <a:r>
-              <a:rPr lang="pl-PL"/>
+              <a:rPr lang="pl-PL" dirty="0"/>
               <a:t> nazwa ()  {…}</a:t>
             </a:r>
           </a:p>
@@ -6328,7 +6567,7 @@
           <a:p>
             <a:fld id="{694E5A4B-A5FD-4947-A45B-E895AF4AF62E}" type="datetime1">
               <a:rPr lang="en-US" smtClean="0"/>
-              <a:t>3/10/2025</a:t>
+              <a:t>3/11/2025</a:t>
             </a:fld>
             <a:endParaRPr lang="en-US"/>
           </a:p>
@@ -6603,12 +6842,11 @@
 </file>
 
 <file path=customXml/item1.xml><?xml version="1.0" encoding="utf-8"?>
-<?mso-contentType ?>
-<FormTemplates xmlns="http://schemas.microsoft.com/sharepoint/v3/contenttype/forms">
-  <Display>DocumentLibraryForm</Display>
-  <Edit>DocumentLibraryForm</Edit>
-  <New>DocumentLibraryForm</New>
-</FormTemplates>
+<p:properties xmlns:p="http://schemas.microsoft.com/office/2006/metadata/properties" xmlns:xsi="http://www.w3.org/2001/XMLSchema-instance" xmlns:pc="http://schemas.microsoft.com/office/infopath/2007/PartnerControls">
+  <documentManagement>
+    <_activity xmlns="297d469d-0ae7-4b2a-bd66-4024197ac65a" xsi:nil="true"/>
+  </documentManagement>
+</p:properties>
 </file>
 
 <file path=customXml/item2.xml><?xml version="1.0" encoding="utf-8"?>
@@ -6762,17 +7000,26 @@
 </file>
 
 <file path=customXml/item3.xml><?xml version="1.0" encoding="utf-8"?>
-<p:properties xmlns:p="http://schemas.microsoft.com/office/2006/metadata/properties" xmlns:xsi="http://www.w3.org/2001/XMLSchema-instance" xmlns:pc="http://schemas.microsoft.com/office/infopath/2007/PartnerControls">
-  <documentManagement>
-    <_activity xmlns="297d469d-0ae7-4b2a-bd66-4024197ac65a" xsi:nil="true"/>
-  </documentManagement>
-</p:properties>
+<?mso-contentType ?>
+<FormTemplates xmlns="http://schemas.microsoft.com/sharepoint/v3/contenttype/forms">
+  <Display>DocumentLibraryForm</Display>
+  <Edit>DocumentLibraryForm</Edit>
+  <New>DocumentLibraryForm</New>
+</FormTemplates>
 </file>
 
 <file path=customXml/itemProps1.xml><?xml version="1.0" encoding="utf-8"?>
-<ds:datastoreItem xmlns:ds="http://schemas.openxmlformats.org/officeDocument/2006/customXml" ds:itemID="{B1BBD877-F135-43AF-8F89-9DB339E9A321}">
+<ds:datastoreItem xmlns:ds="http://schemas.openxmlformats.org/officeDocument/2006/customXml" ds:itemID="{00E45B53-B32E-4EF8-9E52-06324E8A6376}">
   <ds:schemaRefs>
-    <ds:schemaRef ds:uri="http://schemas.microsoft.com/sharepoint/v3/contenttype/forms"/>
+    <ds:schemaRef ds:uri="http://schemas.microsoft.com/office/2006/documentManagement/types"/>
+    <ds:schemaRef ds:uri="http://purl.org/dc/elements/1.1/"/>
+    <ds:schemaRef ds:uri="297d469d-0ae7-4b2a-bd66-4024197ac65a"/>
+    <ds:schemaRef ds:uri="http://schemas.microsoft.com/office/infopath/2007/PartnerControls"/>
+    <ds:schemaRef ds:uri="http://www.w3.org/XML/1998/namespace"/>
+    <ds:schemaRef ds:uri="http://schemas.microsoft.com/office/2006/metadata/properties"/>
+    <ds:schemaRef ds:uri="http://schemas.openxmlformats.org/package/2006/metadata/core-properties"/>
+    <ds:schemaRef ds:uri="http://purl.org/dc/dcmitype/"/>
+    <ds:schemaRef ds:uri="http://purl.org/dc/terms/"/>
   </ds:schemaRefs>
 </ds:datastoreItem>
 </file>
@@ -6796,17 +7043,9 @@
 </file>
 
 <file path=customXml/itemProps3.xml><?xml version="1.0" encoding="utf-8"?>
-<ds:datastoreItem xmlns:ds="http://schemas.openxmlformats.org/officeDocument/2006/customXml" ds:itemID="{00E45B53-B32E-4EF8-9E52-06324E8A6376}">
+<ds:datastoreItem xmlns:ds="http://schemas.openxmlformats.org/officeDocument/2006/customXml" ds:itemID="{B1BBD877-F135-43AF-8F89-9DB339E9A321}">
   <ds:schemaRefs>
-    <ds:schemaRef ds:uri="http://schemas.microsoft.com/office/2006/documentManagement/types"/>
-    <ds:schemaRef ds:uri="http://purl.org/dc/elements/1.1/"/>
-    <ds:schemaRef ds:uri="297d469d-0ae7-4b2a-bd66-4024197ac65a"/>
-    <ds:schemaRef ds:uri="http://schemas.microsoft.com/office/infopath/2007/PartnerControls"/>
-    <ds:schemaRef ds:uri="http://www.w3.org/XML/1998/namespace"/>
-    <ds:schemaRef ds:uri="http://schemas.microsoft.com/office/2006/metadata/properties"/>
-    <ds:schemaRef ds:uri="http://schemas.openxmlformats.org/package/2006/metadata/core-properties"/>
-    <ds:schemaRef ds:uri="http://purl.org/dc/dcmitype/"/>
-    <ds:schemaRef ds:uri="http://purl.org/dc/terms/"/>
+    <ds:schemaRef ds:uri="http://schemas.microsoft.com/sharepoint/v3/contenttype/forms"/>
   </ds:schemaRefs>
 </ds:datastoreItem>
 </file>